--- a/Reports_And_Docs/Student_Clinic_EMR_Project_2.pptx
+++ b/Reports_And_Docs/Student_Clinic_EMR_Project_2.pptx
@@ -3648,12 +3648,23 @@
           </a:pPr>
           <a:r>
             <a:rPr lang="en-US" dirty="0"/>
-            <a:t>1) Show ER diagram in MySQL Workbench</a:t>
+            <a:t> Application Web and API Demo </a:t>
+          </a:r>
+        </a:p>
+        <a:p>
+          <a:pPr>
+            <a:lnSpc>
+              <a:spcPct val="100000"/>
+            </a:lnSpc>
+          </a:pPr>
+          <a:r>
+            <a:rPr lang="en-US" dirty="0"/>
+            <a:t>MySQL Workbench Walkthrough</a:t>
           </a:r>
         </a:p>
       </dgm:t>
     </dgm:pt>
-    <dgm:pt modelId="{46F5C5F9-FBCC-4364-A505-D3EC983738C8}" type="parTrans" cxnId="{15DE14A2-A11E-49D4-94C5-AA00CB9EE36A}">
+    <dgm:pt modelId="{97FA963D-C938-47C8-82D1-BD40B64BB9F1}" type="sibTrans" cxnId="{15DE14A2-A11E-49D4-94C5-AA00CB9EE36A}">
       <dgm:prSet/>
       <dgm:spPr/>
       <dgm:t>
@@ -3664,231 +3675,7 @@
         </a:p>
       </dgm:t>
     </dgm:pt>
-    <dgm:pt modelId="{97FA963D-C938-47C8-82D1-BD40B64BB9F1}" type="sibTrans" cxnId="{15DE14A2-A11E-49D4-94C5-AA00CB9EE36A}">
-      <dgm:prSet/>
-      <dgm:spPr/>
-      <dgm:t>
-        <a:bodyPr/>
-        <a:lstStyle/>
-        <a:p>
-          <a:pPr>
-            <a:lnSpc>
-              <a:spcPct val="100000"/>
-            </a:lnSpc>
-          </a:pPr>
-          <a:endParaRPr lang="en-US"/>
-        </a:p>
-      </dgm:t>
-    </dgm:pt>
-    <dgm:pt modelId="{3FFA54BD-D166-4494-BC64-5628DA7F9B74}">
-      <dgm:prSet/>
-      <dgm:spPr/>
-      <dgm:t>
-        <a:bodyPr/>
-        <a:lstStyle/>
-        <a:p>
-          <a:pPr>
-            <a:lnSpc>
-              <a:spcPct val="100000"/>
-            </a:lnSpc>
-          </a:pPr>
-          <a:r>
-            <a:rPr lang="en-US" dirty="0"/>
-            <a:t>2) Run the stored procedure to create a new patient; show the patient row.</a:t>
-          </a:r>
-        </a:p>
-      </dgm:t>
-    </dgm:pt>
-    <dgm:pt modelId="{1A98D07B-AE59-427F-BC82-9B32D1115F4D}" type="parTrans" cxnId="{EC96BBCE-10FF-45A2-ACB8-F07D3F2A6D1C}">
-      <dgm:prSet/>
-      <dgm:spPr/>
-      <dgm:t>
-        <a:bodyPr/>
-        <a:lstStyle/>
-        <a:p>
-          <a:endParaRPr lang="en-US"/>
-        </a:p>
-      </dgm:t>
-    </dgm:pt>
-    <dgm:pt modelId="{3ACABD25-3E2C-45A9-90D8-D77EF5445D1E}" type="sibTrans" cxnId="{EC96BBCE-10FF-45A2-ACB8-F07D3F2A6D1C}">
-      <dgm:prSet/>
-      <dgm:spPr/>
-      <dgm:t>
-        <a:bodyPr/>
-        <a:lstStyle/>
-        <a:p>
-          <a:pPr>
-            <a:lnSpc>
-              <a:spcPct val="100000"/>
-            </a:lnSpc>
-          </a:pPr>
-          <a:endParaRPr lang="en-US"/>
-        </a:p>
-      </dgm:t>
-    </dgm:pt>
-    <dgm:pt modelId="{42BDC089-E376-412C-ABDD-BD37E6F75C27}">
-      <dgm:prSet/>
-      <dgm:spPr/>
-      <dgm:t>
-        <a:bodyPr/>
-        <a:lstStyle/>
-        <a:p>
-          <a:pPr>
-            <a:lnSpc>
-              <a:spcPct val="100000"/>
-            </a:lnSpc>
-          </a:pPr>
-          <a:r>
-            <a:rPr lang="en-US" dirty="0"/>
-            <a:t>3) Create visit + prescription via procedures; show </a:t>
-          </a:r>
-          <a:r>
-            <a:rPr lang="en-US" dirty="0" err="1"/>
-            <a:t>v_pharmacy_prescriptions</a:t>
-          </a:r>
-          <a:r>
-            <a:rPr lang="en-US" dirty="0"/>
-            <a:t> queue.</a:t>
-          </a:r>
-        </a:p>
-      </dgm:t>
-    </dgm:pt>
-    <dgm:pt modelId="{9BF75871-1D65-4E01-9A25-3067383B64AD}" type="parTrans" cxnId="{196F1968-BE05-4173-B159-19097D869207}">
-      <dgm:prSet/>
-      <dgm:spPr/>
-      <dgm:t>
-        <a:bodyPr/>
-        <a:lstStyle/>
-        <a:p>
-          <a:endParaRPr lang="en-US"/>
-        </a:p>
-      </dgm:t>
-    </dgm:pt>
-    <dgm:pt modelId="{5821239D-733D-4CFB-B550-6B99C3A28A16}" type="sibTrans" cxnId="{196F1968-BE05-4173-B159-19097D869207}">
-      <dgm:prSet/>
-      <dgm:spPr/>
-      <dgm:t>
-        <a:bodyPr/>
-        <a:lstStyle/>
-        <a:p>
-          <a:pPr>
-            <a:lnSpc>
-              <a:spcPct val="100000"/>
-            </a:lnSpc>
-          </a:pPr>
-          <a:endParaRPr lang="en-US"/>
-        </a:p>
-      </dgm:t>
-    </dgm:pt>
-    <dgm:pt modelId="{E9AE3D4F-2B99-41F4-B915-786231CCF3D8}">
-      <dgm:prSet/>
-      <dgm:spPr/>
-      <dgm:t>
-        <a:bodyPr/>
-        <a:lstStyle/>
-        <a:p>
-          <a:pPr>
-            <a:lnSpc>
-              <a:spcPct val="100000"/>
-            </a:lnSpc>
-          </a:pPr>
-          <a:r>
-            <a:rPr lang="en-US" dirty="0"/>
-            <a:t>4) Dispense prescription using </a:t>
-          </a:r>
-          <a:r>
-            <a:rPr lang="en-US" dirty="0" err="1"/>
-            <a:t>sp_dispense_prescription</a:t>
-          </a:r>
-          <a:r>
-            <a:rPr lang="en-US" dirty="0"/>
-            <a:t>; show updated prescription and </a:t>
-          </a:r>
-          <a:r>
-            <a:rPr lang="en-US" dirty="0" err="1"/>
-            <a:t>pharmacy_dispense</a:t>
-          </a:r>
-          <a:r>
-            <a:rPr lang="en-US" dirty="0"/>
-            <a:t>.</a:t>
-          </a:r>
-        </a:p>
-      </dgm:t>
-    </dgm:pt>
-    <dgm:pt modelId="{5F23C0BE-6DC4-4849-A323-33FE6A0CAE7C}" type="parTrans" cxnId="{2AE7A9C1-8277-43B4-A458-6D6AA82AC79A}">
-      <dgm:prSet/>
-      <dgm:spPr/>
-      <dgm:t>
-        <a:bodyPr/>
-        <a:lstStyle/>
-        <a:p>
-          <a:endParaRPr lang="en-US"/>
-        </a:p>
-      </dgm:t>
-    </dgm:pt>
-    <dgm:pt modelId="{DE4F1129-D120-4DC8-974D-472B3CC65211}" type="sibTrans" cxnId="{2AE7A9C1-8277-43B4-A458-6D6AA82AC79A}">
-      <dgm:prSet/>
-      <dgm:spPr/>
-      <dgm:t>
-        <a:bodyPr/>
-        <a:lstStyle/>
-        <a:p>
-          <a:pPr>
-            <a:lnSpc>
-              <a:spcPct val="100000"/>
-            </a:lnSpc>
-          </a:pPr>
-          <a:endParaRPr lang="en-US"/>
-        </a:p>
-      </dgm:t>
-    </dgm:pt>
-    <dgm:pt modelId="{A804F2B6-6210-4CED-88A5-9D7459CA7A2D}">
-      <dgm:prSet/>
-      <dgm:spPr/>
-      <dgm:t>
-        <a:bodyPr/>
-        <a:lstStyle/>
-        <a:p>
-          <a:pPr>
-            <a:lnSpc>
-              <a:spcPct val="100000"/>
-            </a:lnSpc>
-          </a:pPr>
-          <a:r>
-            <a:rPr lang="en-US" dirty="0"/>
-            <a:t>5) Show </a:t>
-          </a:r>
-          <a:r>
-            <a:rPr lang="en-US" dirty="0" err="1"/>
-            <a:t>v_my_visits</a:t>
-          </a:r>
-          <a:r>
-            <a:rPr lang="en-US" dirty="0"/>
-            <a:t> / </a:t>
-          </a:r>
-          <a:r>
-            <a:rPr lang="en-US" dirty="0" err="1"/>
-            <a:t>v_my_prescriptions</a:t>
-          </a:r>
-          <a:r>
-            <a:rPr lang="en-US" dirty="0"/>
-            <a:t> for that patient, then recent rows in audit_log.</a:t>
-          </a:r>
-        </a:p>
-      </dgm:t>
-    </dgm:pt>
-    <dgm:pt modelId="{82E13BEC-23A5-43C8-865E-1E73DADA4158}" type="parTrans" cxnId="{C3B0C6C2-F873-48F3-AF4D-F1775E00C300}">
-      <dgm:prSet/>
-      <dgm:spPr/>
-      <dgm:t>
-        <a:bodyPr/>
-        <a:lstStyle/>
-        <a:p>
-          <a:endParaRPr lang="en-US"/>
-        </a:p>
-      </dgm:t>
-    </dgm:pt>
-    <dgm:pt modelId="{B8440F5D-57D5-4E2E-9AC9-4BAB0625BBCD}" type="sibTrans" cxnId="{C3B0C6C2-F873-48F3-AF4D-F1775E00C300}">
+    <dgm:pt modelId="{46F5C5F9-FBCC-4364-A505-D3EC983738C8}" type="parTrans" cxnId="{15DE14A2-A11E-49D4-94C5-AA00CB9EE36A}">
       <dgm:prSet/>
       <dgm:spPr/>
       <dgm:t>
@@ -3922,11 +3709,11 @@
       <dgm:spPr/>
     </dgm:pt>
     <dgm:pt modelId="{4A07FE40-BDEC-42CA-8B91-42CD37CA22FE}" type="pres">
-      <dgm:prSet presAssocID="{6C1A816C-BC91-4171-B30F-D82D0DC03900}" presName="iconBgRect" presStyleLbl="bgShp" presStyleIdx="0" presStyleCnt="5"/>
+      <dgm:prSet presAssocID="{6C1A816C-BC91-4171-B30F-D82D0DC03900}" presName="iconBgRect" presStyleLbl="bgShp" presStyleIdx="0" presStyleCnt="1"/>
       <dgm:spPr/>
     </dgm:pt>
     <dgm:pt modelId="{15FFCCB2-FCA0-4444-A92F-3A63480DD561}" type="pres">
-      <dgm:prSet presAssocID="{6C1A816C-BC91-4171-B30F-D82D0DC03900}" presName="iconRect" presStyleLbl="node1" presStyleIdx="0" presStyleCnt="5"/>
+      <dgm:prSet presAssocID="{6C1A816C-BC91-4171-B30F-D82D0DC03900}" presName="iconRect" presStyleLbl="node1" presStyleIdx="0" presStyleCnt="1"/>
       <dgm:spPr>
         <a:blipFill>
           <a:blip xmlns:r="http://schemas.openxmlformats.org/officeDocument/2006/relationships" r:embed="rId1">
@@ -3958,219 +3745,7 @@
       <dgm:spPr/>
     </dgm:pt>
     <dgm:pt modelId="{F5C2FA43-3756-446B-BAC4-DC65F2F03FC4}" type="pres">
-      <dgm:prSet presAssocID="{6C1A816C-BC91-4171-B30F-D82D0DC03900}" presName="textRect" presStyleLbl="revTx" presStyleIdx="0" presStyleCnt="5">
-        <dgm:presLayoutVars>
-          <dgm:chMax val="1"/>
-          <dgm:chPref val="1"/>
-        </dgm:presLayoutVars>
-      </dgm:prSet>
-      <dgm:spPr/>
-    </dgm:pt>
-    <dgm:pt modelId="{EF1C346B-F65E-4BED-84ED-0192E3687ED7}" type="pres">
-      <dgm:prSet presAssocID="{97FA963D-C938-47C8-82D1-BD40B64BB9F1}" presName="sibTrans" presStyleLbl="sibTrans2D1" presStyleIdx="0" presStyleCnt="0"/>
-      <dgm:spPr/>
-    </dgm:pt>
-    <dgm:pt modelId="{97EDE17F-B5EB-4BE5-8A57-35D252229E51}" type="pres">
-      <dgm:prSet presAssocID="{3FFA54BD-D166-4494-BC64-5628DA7F9B74}" presName="compNode" presStyleCnt="0"/>
-      <dgm:spPr/>
-    </dgm:pt>
-    <dgm:pt modelId="{8E6AE0B4-42FC-4117-B64B-351BBD27A8EE}" type="pres">
-      <dgm:prSet presAssocID="{3FFA54BD-D166-4494-BC64-5628DA7F9B74}" presName="iconBgRect" presStyleLbl="bgShp" presStyleIdx="1" presStyleCnt="5"/>
-      <dgm:spPr/>
-    </dgm:pt>
-    <dgm:pt modelId="{0D7FC0F5-5C4B-48DF-90DA-F0C3589A5519}" type="pres">
-      <dgm:prSet presAssocID="{3FFA54BD-D166-4494-BC64-5628DA7F9B74}" presName="iconRect" presStyleLbl="node1" presStyleIdx="1" presStyleCnt="5"/>
-      <dgm:spPr>
-        <a:blipFill>
-          <a:blip xmlns:r="http://schemas.openxmlformats.org/officeDocument/2006/relationships" r:embed="rId3">
-            <a:extLst>
-              <a:ext uri="{28A0092B-C50C-407E-A947-70E740481C1C}">
-                <a14:useLocalDpi xmlns:a14="http://schemas.microsoft.com/office/drawing/2010/main" val="0"/>
-              </a:ext>
-              <a:ext uri="{96DAC541-7B7A-43D3-8B79-37D633B846F1}">
-                <asvg:svgBlip xmlns:asvg="http://schemas.microsoft.com/office/drawing/2016/SVG/main" r:embed="rId4"/>
-              </a:ext>
-            </a:extLst>
-          </a:blip>
-          <a:stretch>
-            <a:fillRect/>
-          </a:stretch>
-        </a:blipFill>
-        <a:ln>
-          <a:noFill/>
-        </a:ln>
-      </dgm:spPr>
-      <dgm:extLst>
-        <a:ext uri="{E40237B7-FDA0-4F09-8148-C483321AD2D9}">
-          <dgm14:cNvPr xmlns:dgm14="http://schemas.microsoft.com/office/drawing/2010/diagram" id="0" name="" descr="Infinity"/>
-        </a:ext>
-      </dgm:extLst>
-    </dgm:pt>
-    <dgm:pt modelId="{E2E84241-335B-4EB5-ABC7-3C4F2912561C}" type="pres">
-      <dgm:prSet presAssocID="{3FFA54BD-D166-4494-BC64-5628DA7F9B74}" presName="spaceRect" presStyleCnt="0"/>
-      <dgm:spPr/>
-    </dgm:pt>
-    <dgm:pt modelId="{C4427482-56F0-47B2-A272-8211F0FFCA50}" type="pres">
-      <dgm:prSet presAssocID="{3FFA54BD-D166-4494-BC64-5628DA7F9B74}" presName="textRect" presStyleLbl="revTx" presStyleIdx="1" presStyleCnt="5">
-        <dgm:presLayoutVars>
-          <dgm:chMax val="1"/>
-          <dgm:chPref val="1"/>
-        </dgm:presLayoutVars>
-      </dgm:prSet>
-      <dgm:spPr/>
-    </dgm:pt>
-    <dgm:pt modelId="{664CD18F-B751-4BD7-88D8-6322D508F89D}" type="pres">
-      <dgm:prSet presAssocID="{3ACABD25-3E2C-45A9-90D8-D77EF5445D1E}" presName="sibTrans" presStyleLbl="sibTrans2D1" presStyleIdx="0" presStyleCnt="0"/>
-      <dgm:spPr/>
-    </dgm:pt>
-    <dgm:pt modelId="{64C24F9D-06FF-40AC-B9FD-002EA93C29FA}" type="pres">
-      <dgm:prSet presAssocID="{42BDC089-E376-412C-ABDD-BD37E6F75C27}" presName="compNode" presStyleCnt="0"/>
-      <dgm:spPr/>
-    </dgm:pt>
-    <dgm:pt modelId="{FF5AC801-33D8-4A1E-B576-158AB2C6F90F}" type="pres">
-      <dgm:prSet presAssocID="{42BDC089-E376-412C-ABDD-BD37E6F75C27}" presName="iconBgRect" presStyleLbl="bgShp" presStyleIdx="2" presStyleCnt="5"/>
-      <dgm:spPr/>
-    </dgm:pt>
-    <dgm:pt modelId="{E31251D7-0393-438B-8141-41A9E2C2DBCC}" type="pres">
-      <dgm:prSet presAssocID="{42BDC089-E376-412C-ABDD-BD37E6F75C27}" presName="iconRect" presStyleLbl="node1" presStyleIdx="2" presStyleCnt="5"/>
-      <dgm:spPr>
-        <a:blipFill>
-          <a:blip xmlns:r="http://schemas.openxmlformats.org/officeDocument/2006/relationships" r:embed="rId5">
-            <a:extLst>
-              <a:ext uri="{28A0092B-C50C-407E-A947-70E740481C1C}">
-                <a14:useLocalDpi xmlns:a14="http://schemas.microsoft.com/office/drawing/2010/main" val="0"/>
-              </a:ext>
-              <a:ext uri="{96DAC541-7B7A-43D3-8B79-37D633B846F1}">
-                <asvg:svgBlip xmlns:asvg="http://schemas.microsoft.com/office/drawing/2016/SVG/main" r:embed="rId6"/>
-              </a:ext>
-            </a:extLst>
-          </a:blip>
-          <a:stretch>
-            <a:fillRect/>
-          </a:stretch>
-        </a:blipFill>
-        <a:ln>
-          <a:noFill/>
-        </a:ln>
-      </dgm:spPr>
-      <dgm:extLst>
-        <a:ext uri="{E40237B7-FDA0-4F09-8148-C483321AD2D9}">
-          <dgm14:cNvPr xmlns:dgm14="http://schemas.microsoft.com/office/drawing/2010/diagram" id="0" name="" descr="Medicine"/>
-        </a:ext>
-      </dgm:extLst>
-    </dgm:pt>
-    <dgm:pt modelId="{D3CB567D-C945-48F8-9DBB-3E9F09AA7E13}" type="pres">
-      <dgm:prSet presAssocID="{42BDC089-E376-412C-ABDD-BD37E6F75C27}" presName="spaceRect" presStyleCnt="0"/>
-      <dgm:spPr/>
-    </dgm:pt>
-    <dgm:pt modelId="{EF7513DC-87A4-404F-BD2F-817361859A34}" type="pres">
-      <dgm:prSet presAssocID="{42BDC089-E376-412C-ABDD-BD37E6F75C27}" presName="textRect" presStyleLbl="revTx" presStyleIdx="2" presStyleCnt="5">
-        <dgm:presLayoutVars>
-          <dgm:chMax val="1"/>
-          <dgm:chPref val="1"/>
-        </dgm:presLayoutVars>
-      </dgm:prSet>
-      <dgm:spPr/>
-    </dgm:pt>
-    <dgm:pt modelId="{C67F57A2-8A1F-4FE1-86F5-71A3805630DD}" type="pres">
-      <dgm:prSet presAssocID="{5821239D-733D-4CFB-B550-6B99C3A28A16}" presName="sibTrans" presStyleLbl="sibTrans2D1" presStyleIdx="0" presStyleCnt="0"/>
-      <dgm:spPr/>
-    </dgm:pt>
-    <dgm:pt modelId="{6DE5FA96-4DF4-46B1-92FD-5200655305F3}" type="pres">
-      <dgm:prSet presAssocID="{E9AE3D4F-2B99-41F4-B915-786231CCF3D8}" presName="compNode" presStyleCnt="0"/>
-      <dgm:spPr/>
-    </dgm:pt>
-    <dgm:pt modelId="{4E0C1F0F-E4DA-452B-96F2-A3DA8ED25CB0}" type="pres">
-      <dgm:prSet presAssocID="{E9AE3D4F-2B99-41F4-B915-786231CCF3D8}" presName="iconBgRect" presStyleLbl="bgShp" presStyleIdx="3" presStyleCnt="5"/>
-      <dgm:spPr/>
-    </dgm:pt>
-    <dgm:pt modelId="{55DB99BB-50D2-4DEB-9D37-6822BF536E1E}" type="pres">
-      <dgm:prSet presAssocID="{E9AE3D4F-2B99-41F4-B915-786231CCF3D8}" presName="iconRect" presStyleLbl="node1" presStyleIdx="3" presStyleCnt="5"/>
-      <dgm:spPr>
-        <a:blipFill>
-          <a:blip xmlns:r="http://schemas.openxmlformats.org/officeDocument/2006/relationships" r:embed="rId7">
-            <a:extLst>
-              <a:ext uri="{28A0092B-C50C-407E-A947-70E740481C1C}">
-                <a14:useLocalDpi xmlns:a14="http://schemas.microsoft.com/office/drawing/2010/main" val="0"/>
-              </a:ext>
-              <a:ext uri="{96DAC541-7B7A-43D3-8B79-37D633B846F1}">
-                <asvg:svgBlip xmlns:asvg="http://schemas.microsoft.com/office/drawing/2016/SVG/main" r:embed="rId8"/>
-              </a:ext>
-            </a:extLst>
-          </a:blip>
-          <a:stretch>
-            <a:fillRect/>
-          </a:stretch>
-        </a:blipFill>
-        <a:ln>
-          <a:noFill/>
-        </a:ln>
-      </dgm:spPr>
-      <dgm:extLst>
-        <a:ext uri="{E40237B7-FDA0-4F09-8148-C483321AD2D9}">
-          <dgm14:cNvPr xmlns:dgm14="http://schemas.microsoft.com/office/drawing/2010/diagram" id="0" name="" descr="Doctor"/>
-        </a:ext>
-      </dgm:extLst>
-    </dgm:pt>
-    <dgm:pt modelId="{D7F20D69-6825-479F-8D02-634D02D7B0C9}" type="pres">
-      <dgm:prSet presAssocID="{E9AE3D4F-2B99-41F4-B915-786231CCF3D8}" presName="spaceRect" presStyleCnt="0"/>
-      <dgm:spPr/>
-    </dgm:pt>
-    <dgm:pt modelId="{C62C9016-C5FE-45E8-9BF0-C9202DE43CA9}" type="pres">
-      <dgm:prSet presAssocID="{E9AE3D4F-2B99-41F4-B915-786231CCF3D8}" presName="textRect" presStyleLbl="revTx" presStyleIdx="3" presStyleCnt="5">
-        <dgm:presLayoutVars>
-          <dgm:chMax val="1"/>
-          <dgm:chPref val="1"/>
-        </dgm:presLayoutVars>
-      </dgm:prSet>
-      <dgm:spPr/>
-    </dgm:pt>
-    <dgm:pt modelId="{9637B6FA-2E27-4EE8-AC02-F7F0510317C8}" type="pres">
-      <dgm:prSet presAssocID="{DE4F1129-D120-4DC8-974D-472B3CC65211}" presName="sibTrans" presStyleLbl="sibTrans2D1" presStyleIdx="0" presStyleCnt="0"/>
-      <dgm:spPr/>
-    </dgm:pt>
-    <dgm:pt modelId="{EE6DA0CA-111D-49E4-B7F6-28F0A1A933CF}" type="pres">
-      <dgm:prSet presAssocID="{A804F2B6-6210-4CED-88A5-9D7459CA7A2D}" presName="compNode" presStyleCnt="0"/>
-      <dgm:spPr/>
-    </dgm:pt>
-    <dgm:pt modelId="{BA6656DE-70F9-40E2-A098-54D7BD8B1074}" type="pres">
-      <dgm:prSet presAssocID="{A804F2B6-6210-4CED-88A5-9D7459CA7A2D}" presName="iconBgRect" presStyleLbl="bgShp" presStyleIdx="4" presStyleCnt="5"/>
-      <dgm:spPr/>
-    </dgm:pt>
-    <dgm:pt modelId="{53BA76E6-5BF3-4C2E-B020-703E66872EE9}" type="pres">
-      <dgm:prSet presAssocID="{A804F2B6-6210-4CED-88A5-9D7459CA7A2D}" presName="iconRect" presStyleLbl="node1" presStyleIdx="4" presStyleCnt="5"/>
-      <dgm:spPr>
-        <a:blipFill>
-          <a:blip xmlns:r="http://schemas.openxmlformats.org/officeDocument/2006/relationships" r:embed="rId9">
-            <a:extLst>
-              <a:ext uri="{28A0092B-C50C-407E-A947-70E740481C1C}">
-                <a14:useLocalDpi xmlns:a14="http://schemas.microsoft.com/office/drawing/2010/main" val="0"/>
-              </a:ext>
-              <a:ext uri="{96DAC541-7B7A-43D3-8B79-37D633B846F1}">
-                <asvg:svgBlip xmlns:asvg="http://schemas.microsoft.com/office/drawing/2016/SVG/main" r:embed="rId10"/>
-              </a:ext>
-            </a:extLst>
-          </a:blip>
-          <a:stretch>
-            <a:fillRect/>
-          </a:stretch>
-        </a:blipFill>
-        <a:ln>
-          <a:noFill/>
-        </a:ln>
-      </dgm:spPr>
-      <dgm:extLst>
-        <a:ext uri="{E40237B7-FDA0-4F09-8148-C483321AD2D9}">
-          <dgm14:cNvPr xmlns:dgm14="http://schemas.microsoft.com/office/drawing/2010/diagram" id="0" name="" descr="Waiter"/>
-        </a:ext>
-      </dgm:extLst>
-    </dgm:pt>
-    <dgm:pt modelId="{09575871-9402-49E3-836D-56B72F147294}" type="pres">
-      <dgm:prSet presAssocID="{A804F2B6-6210-4CED-88A5-9D7459CA7A2D}" presName="spaceRect" presStyleCnt="0"/>
-      <dgm:spPr/>
-    </dgm:pt>
-    <dgm:pt modelId="{61D8B6AF-3DB8-4F90-84D0-967F2653572E}" type="pres">
-      <dgm:prSet presAssocID="{A804F2B6-6210-4CED-88A5-9D7459CA7A2D}" presName="textRect" presStyleLbl="revTx" presStyleIdx="4" presStyleCnt="5">
+      <dgm:prSet presAssocID="{6C1A816C-BC91-4171-B30F-D82D0DC03900}" presName="textRect" presStyleLbl="revTx" presStyleIdx="0" presStyleCnt="1" custScaleX="133436" custScaleY="101350" custLinFactNeighborX="12527" custLinFactNeighborY="1126">
         <dgm:presLayoutVars>
           <dgm:chMax val="1"/>
           <dgm:chPref val="1"/>
@@ -4180,51 +3755,15 @@
     </dgm:pt>
   </dgm:ptLst>
   <dgm:cxnLst>
-    <dgm:cxn modelId="{C117362A-398A-455A-838D-EDD25C811038}" type="presOf" srcId="{42BDC089-E376-412C-ABDD-BD37E6F75C27}" destId="{EF7513DC-87A4-404F-BD2F-817361859A34}" srcOrd="0" destOrd="0" presId="urn:microsoft.com/office/officeart/2018/2/layout/IconCircleList"/>
-    <dgm:cxn modelId="{C837C72A-7A07-4299-8234-A221FFEA0941}" type="presOf" srcId="{3ACABD25-3E2C-45A9-90D8-D77EF5445D1E}" destId="{664CD18F-B751-4BD7-88D8-6322D508F89D}" srcOrd="0" destOrd="0" presId="urn:microsoft.com/office/officeart/2018/2/layout/IconCircleList"/>
-    <dgm:cxn modelId="{6EFB382E-CD75-4D56-83E0-DF3A7277A400}" type="presOf" srcId="{A804F2B6-6210-4CED-88A5-9D7459CA7A2D}" destId="{61D8B6AF-3DB8-4F90-84D0-967F2653572E}" srcOrd="0" destOrd="0" presId="urn:microsoft.com/office/officeart/2018/2/layout/IconCircleList"/>
     <dgm:cxn modelId="{A77FCA3C-09FD-4258-A3E1-EA3ED624F18B}" type="presOf" srcId="{6C1A816C-BC91-4171-B30F-D82D0DC03900}" destId="{F5C2FA43-3756-446B-BAC4-DC65F2F03FC4}" srcOrd="0" destOrd="0" presId="urn:microsoft.com/office/officeart/2018/2/layout/IconCircleList"/>
     <dgm:cxn modelId="{6BAF283D-0D3E-48D2-AB69-E03468182EF9}" type="presOf" srcId="{3F1D66D9-9C6E-4270-A78B-FE6498DB65B1}" destId="{DBB81293-575C-4581-BFCB-1F697738781C}" srcOrd="0" destOrd="0" presId="urn:microsoft.com/office/officeart/2018/2/layout/IconCircleList"/>
-    <dgm:cxn modelId="{DCFDE243-E1FB-415A-BABA-014B95B4972F}" type="presOf" srcId="{3FFA54BD-D166-4494-BC64-5628DA7F9B74}" destId="{C4427482-56F0-47B2-A272-8211F0FFCA50}" srcOrd="0" destOrd="0" presId="urn:microsoft.com/office/officeart/2018/2/layout/IconCircleList"/>
-    <dgm:cxn modelId="{196F1968-BE05-4173-B159-19097D869207}" srcId="{3F1D66D9-9C6E-4270-A78B-FE6498DB65B1}" destId="{42BDC089-E376-412C-ABDD-BD37E6F75C27}" srcOrd="2" destOrd="0" parTransId="{9BF75871-1D65-4E01-9A25-3067383B64AD}" sibTransId="{5821239D-733D-4CFB-B550-6B99C3A28A16}"/>
-    <dgm:cxn modelId="{C95EE991-17A4-4098-9629-5A4B07D56C0A}" type="presOf" srcId="{DE4F1129-D120-4DC8-974D-472B3CC65211}" destId="{9637B6FA-2E27-4EE8-AC02-F7F0510317C8}" srcOrd="0" destOrd="0" presId="urn:microsoft.com/office/officeart/2018/2/layout/IconCircleList"/>
     <dgm:cxn modelId="{15DE14A2-A11E-49D4-94C5-AA00CB9EE36A}" srcId="{3F1D66D9-9C6E-4270-A78B-FE6498DB65B1}" destId="{6C1A816C-BC91-4171-B30F-D82D0DC03900}" srcOrd="0" destOrd="0" parTransId="{46F5C5F9-FBCC-4364-A505-D3EC983738C8}" sibTransId="{97FA963D-C938-47C8-82D1-BD40B64BB9F1}"/>
-    <dgm:cxn modelId="{0B02A9A8-AF0F-4B40-90DA-A8F7229CDB74}" type="presOf" srcId="{97FA963D-C938-47C8-82D1-BD40B64BB9F1}" destId="{EF1C346B-F65E-4BED-84ED-0192E3687ED7}" srcOrd="0" destOrd="0" presId="urn:microsoft.com/office/officeart/2018/2/layout/IconCircleList"/>
-    <dgm:cxn modelId="{1F3016AA-9782-4818-A4CB-7E70A14193E6}" type="presOf" srcId="{E9AE3D4F-2B99-41F4-B915-786231CCF3D8}" destId="{C62C9016-C5FE-45E8-9BF0-C9202DE43CA9}" srcOrd="0" destOrd="0" presId="urn:microsoft.com/office/officeart/2018/2/layout/IconCircleList"/>
-    <dgm:cxn modelId="{8061F4AD-104A-4038-A4DA-77B99F3C314F}" type="presOf" srcId="{5821239D-733D-4CFB-B550-6B99C3A28A16}" destId="{C67F57A2-8A1F-4FE1-86F5-71A3805630DD}" srcOrd="0" destOrd="0" presId="urn:microsoft.com/office/officeart/2018/2/layout/IconCircleList"/>
-    <dgm:cxn modelId="{2AE7A9C1-8277-43B4-A458-6D6AA82AC79A}" srcId="{3F1D66D9-9C6E-4270-A78B-FE6498DB65B1}" destId="{E9AE3D4F-2B99-41F4-B915-786231CCF3D8}" srcOrd="3" destOrd="0" parTransId="{5F23C0BE-6DC4-4849-A323-33FE6A0CAE7C}" sibTransId="{DE4F1129-D120-4DC8-974D-472B3CC65211}"/>
-    <dgm:cxn modelId="{C3B0C6C2-F873-48F3-AF4D-F1775E00C300}" srcId="{3F1D66D9-9C6E-4270-A78B-FE6498DB65B1}" destId="{A804F2B6-6210-4CED-88A5-9D7459CA7A2D}" srcOrd="4" destOrd="0" parTransId="{82E13BEC-23A5-43C8-865E-1E73DADA4158}" sibTransId="{B8440F5D-57D5-4E2E-9AC9-4BAB0625BBCD}"/>
-    <dgm:cxn modelId="{EC96BBCE-10FF-45A2-ACB8-F07D3F2A6D1C}" srcId="{3F1D66D9-9C6E-4270-A78B-FE6498DB65B1}" destId="{3FFA54BD-D166-4494-BC64-5628DA7F9B74}" srcOrd="1" destOrd="0" parTransId="{1A98D07B-AE59-427F-BC82-9B32D1115F4D}" sibTransId="{3ACABD25-3E2C-45A9-90D8-D77EF5445D1E}"/>
     <dgm:cxn modelId="{0507642B-DEDA-423D-AAE2-44AFD7012916}" type="presParOf" srcId="{DBB81293-575C-4581-BFCB-1F697738781C}" destId="{A6874F11-535D-4226-BA85-FC509E0325E2}" srcOrd="0" destOrd="0" presId="urn:microsoft.com/office/officeart/2018/2/layout/IconCircleList"/>
     <dgm:cxn modelId="{0B1273C8-D457-4B82-B392-CD00B18AFCCB}" type="presParOf" srcId="{A6874F11-535D-4226-BA85-FC509E0325E2}" destId="{AA252F7F-281D-4F58-8329-5AA394970351}" srcOrd="0" destOrd="0" presId="urn:microsoft.com/office/officeart/2018/2/layout/IconCircleList"/>
     <dgm:cxn modelId="{6EAFA9E4-EBEC-4A3D-AFF3-8F8FB63BB3F1}" type="presParOf" srcId="{AA252F7F-281D-4F58-8329-5AA394970351}" destId="{4A07FE40-BDEC-42CA-8B91-42CD37CA22FE}" srcOrd="0" destOrd="0" presId="urn:microsoft.com/office/officeart/2018/2/layout/IconCircleList"/>
     <dgm:cxn modelId="{1327EBCA-D0D0-4B91-BB98-6F00826BFDBC}" type="presParOf" srcId="{AA252F7F-281D-4F58-8329-5AA394970351}" destId="{15FFCCB2-FCA0-4444-A92F-3A63480DD561}" srcOrd="1" destOrd="0" presId="urn:microsoft.com/office/officeart/2018/2/layout/IconCircleList"/>
     <dgm:cxn modelId="{97F781D9-076F-411D-9B03-3A15761A42D0}" type="presParOf" srcId="{AA252F7F-281D-4F58-8329-5AA394970351}" destId="{E3BACF70-81CE-402D-BD2C-9E119ED0A38A}" srcOrd="2" destOrd="0" presId="urn:microsoft.com/office/officeart/2018/2/layout/IconCircleList"/>
     <dgm:cxn modelId="{0868292D-EAF1-49D2-9BD4-0BC532A022C1}" type="presParOf" srcId="{AA252F7F-281D-4F58-8329-5AA394970351}" destId="{F5C2FA43-3756-446B-BAC4-DC65F2F03FC4}" srcOrd="3" destOrd="0" presId="urn:microsoft.com/office/officeart/2018/2/layout/IconCircleList"/>
-    <dgm:cxn modelId="{47AE03F9-C3CA-4D74-9AE4-A267CB3D2C58}" type="presParOf" srcId="{A6874F11-535D-4226-BA85-FC509E0325E2}" destId="{EF1C346B-F65E-4BED-84ED-0192E3687ED7}" srcOrd="1" destOrd="0" presId="urn:microsoft.com/office/officeart/2018/2/layout/IconCircleList"/>
-    <dgm:cxn modelId="{E577890E-5B18-4B98-92FF-FC0620504321}" type="presParOf" srcId="{A6874F11-535D-4226-BA85-FC509E0325E2}" destId="{97EDE17F-B5EB-4BE5-8A57-35D252229E51}" srcOrd="2" destOrd="0" presId="urn:microsoft.com/office/officeart/2018/2/layout/IconCircleList"/>
-    <dgm:cxn modelId="{C71CEB44-FC51-4D7F-BE6B-29B296A94988}" type="presParOf" srcId="{97EDE17F-B5EB-4BE5-8A57-35D252229E51}" destId="{8E6AE0B4-42FC-4117-B64B-351BBD27A8EE}" srcOrd="0" destOrd="0" presId="urn:microsoft.com/office/officeart/2018/2/layout/IconCircleList"/>
-    <dgm:cxn modelId="{4016DA7C-16EC-448D-9931-F1B89FD46EB3}" type="presParOf" srcId="{97EDE17F-B5EB-4BE5-8A57-35D252229E51}" destId="{0D7FC0F5-5C4B-48DF-90DA-F0C3589A5519}" srcOrd="1" destOrd="0" presId="urn:microsoft.com/office/officeart/2018/2/layout/IconCircleList"/>
-    <dgm:cxn modelId="{5E1FED92-F6EE-43C5-A906-EDE9CD0A8531}" type="presParOf" srcId="{97EDE17F-B5EB-4BE5-8A57-35D252229E51}" destId="{E2E84241-335B-4EB5-ABC7-3C4F2912561C}" srcOrd="2" destOrd="0" presId="urn:microsoft.com/office/officeart/2018/2/layout/IconCircleList"/>
-    <dgm:cxn modelId="{28D390D1-E931-4DAC-B079-1CB5679C38A8}" type="presParOf" srcId="{97EDE17F-B5EB-4BE5-8A57-35D252229E51}" destId="{C4427482-56F0-47B2-A272-8211F0FFCA50}" srcOrd="3" destOrd="0" presId="urn:microsoft.com/office/officeart/2018/2/layout/IconCircleList"/>
-    <dgm:cxn modelId="{A25C16E0-AF6F-4C8C-8A47-FE4919BA5F3B}" type="presParOf" srcId="{A6874F11-535D-4226-BA85-FC509E0325E2}" destId="{664CD18F-B751-4BD7-88D8-6322D508F89D}" srcOrd="3" destOrd="0" presId="urn:microsoft.com/office/officeart/2018/2/layout/IconCircleList"/>
-    <dgm:cxn modelId="{210F1383-C197-4505-A398-D23678D844D9}" type="presParOf" srcId="{A6874F11-535D-4226-BA85-FC509E0325E2}" destId="{64C24F9D-06FF-40AC-B9FD-002EA93C29FA}" srcOrd="4" destOrd="0" presId="urn:microsoft.com/office/officeart/2018/2/layout/IconCircleList"/>
-    <dgm:cxn modelId="{6063AFDB-1E46-43F5-BF21-CA14E60FD2BE}" type="presParOf" srcId="{64C24F9D-06FF-40AC-B9FD-002EA93C29FA}" destId="{FF5AC801-33D8-4A1E-B576-158AB2C6F90F}" srcOrd="0" destOrd="0" presId="urn:microsoft.com/office/officeart/2018/2/layout/IconCircleList"/>
-    <dgm:cxn modelId="{94892D5C-375F-42E9-A574-AD009FE1CB1B}" type="presParOf" srcId="{64C24F9D-06FF-40AC-B9FD-002EA93C29FA}" destId="{E31251D7-0393-438B-8141-41A9E2C2DBCC}" srcOrd="1" destOrd="0" presId="urn:microsoft.com/office/officeart/2018/2/layout/IconCircleList"/>
-    <dgm:cxn modelId="{169D1268-1421-4127-BBBC-4A03D5C90455}" type="presParOf" srcId="{64C24F9D-06FF-40AC-B9FD-002EA93C29FA}" destId="{D3CB567D-C945-48F8-9DBB-3E9F09AA7E13}" srcOrd="2" destOrd="0" presId="urn:microsoft.com/office/officeart/2018/2/layout/IconCircleList"/>
-    <dgm:cxn modelId="{207F962E-8A69-4BA6-B7B0-7A9BA9AB2197}" type="presParOf" srcId="{64C24F9D-06FF-40AC-B9FD-002EA93C29FA}" destId="{EF7513DC-87A4-404F-BD2F-817361859A34}" srcOrd="3" destOrd="0" presId="urn:microsoft.com/office/officeart/2018/2/layout/IconCircleList"/>
-    <dgm:cxn modelId="{1633BE05-3775-4E0D-94B9-E67221BF6033}" type="presParOf" srcId="{A6874F11-535D-4226-BA85-FC509E0325E2}" destId="{C67F57A2-8A1F-4FE1-86F5-71A3805630DD}" srcOrd="5" destOrd="0" presId="urn:microsoft.com/office/officeart/2018/2/layout/IconCircleList"/>
-    <dgm:cxn modelId="{726F8FE4-4F17-4BCA-87A5-04DEA1CC6E05}" type="presParOf" srcId="{A6874F11-535D-4226-BA85-FC509E0325E2}" destId="{6DE5FA96-4DF4-46B1-92FD-5200655305F3}" srcOrd="6" destOrd="0" presId="urn:microsoft.com/office/officeart/2018/2/layout/IconCircleList"/>
-    <dgm:cxn modelId="{304D8DD1-2BFD-41CE-87EA-F273ECD2984D}" type="presParOf" srcId="{6DE5FA96-4DF4-46B1-92FD-5200655305F3}" destId="{4E0C1F0F-E4DA-452B-96F2-A3DA8ED25CB0}" srcOrd="0" destOrd="0" presId="urn:microsoft.com/office/officeart/2018/2/layout/IconCircleList"/>
-    <dgm:cxn modelId="{F036267F-C9B3-429A-B099-DA41D2697376}" type="presParOf" srcId="{6DE5FA96-4DF4-46B1-92FD-5200655305F3}" destId="{55DB99BB-50D2-4DEB-9D37-6822BF536E1E}" srcOrd="1" destOrd="0" presId="urn:microsoft.com/office/officeart/2018/2/layout/IconCircleList"/>
-    <dgm:cxn modelId="{4DB2B337-6A86-49E9-AA51-51AA1F7E53D8}" type="presParOf" srcId="{6DE5FA96-4DF4-46B1-92FD-5200655305F3}" destId="{D7F20D69-6825-479F-8D02-634D02D7B0C9}" srcOrd="2" destOrd="0" presId="urn:microsoft.com/office/officeart/2018/2/layout/IconCircleList"/>
-    <dgm:cxn modelId="{40FBCD7F-93AD-4DBB-AEFB-F2ABF288CF5D}" type="presParOf" srcId="{6DE5FA96-4DF4-46B1-92FD-5200655305F3}" destId="{C62C9016-C5FE-45E8-9BF0-C9202DE43CA9}" srcOrd="3" destOrd="0" presId="urn:microsoft.com/office/officeart/2018/2/layout/IconCircleList"/>
-    <dgm:cxn modelId="{344B65EE-668A-46AB-A14F-3EFBE933189C}" type="presParOf" srcId="{A6874F11-535D-4226-BA85-FC509E0325E2}" destId="{9637B6FA-2E27-4EE8-AC02-F7F0510317C8}" srcOrd="7" destOrd="0" presId="urn:microsoft.com/office/officeart/2018/2/layout/IconCircleList"/>
-    <dgm:cxn modelId="{8E919A45-B5C7-4175-8FB1-517C6FD720B9}" type="presParOf" srcId="{A6874F11-535D-4226-BA85-FC509E0325E2}" destId="{EE6DA0CA-111D-49E4-B7F6-28F0A1A933CF}" srcOrd="8" destOrd="0" presId="urn:microsoft.com/office/officeart/2018/2/layout/IconCircleList"/>
-    <dgm:cxn modelId="{A709F4BB-DECD-472F-A98F-3DB41154571B}" type="presParOf" srcId="{EE6DA0CA-111D-49E4-B7F6-28F0A1A933CF}" destId="{BA6656DE-70F9-40E2-A098-54D7BD8B1074}" srcOrd="0" destOrd="0" presId="urn:microsoft.com/office/officeart/2018/2/layout/IconCircleList"/>
-    <dgm:cxn modelId="{7BDE5485-87B0-44AA-A7AD-978DC2A8D67F}" type="presParOf" srcId="{EE6DA0CA-111D-49E4-B7F6-28F0A1A933CF}" destId="{53BA76E6-5BF3-4C2E-B020-703E66872EE9}" srcOrd="1" destOrd="0" presId="urn:microsoft.com/office/officeart/2018/2/layout/IconCircleList"/>
-    <dgm:cxn modelId="{6419C78A-847D-49EB-B663-044568062916}" type="presParOf" srcId="{EE6DA0CA-111D-49E4-B7F6-28F0A1A933CF}" destId="{09575871-9402-49E3-836D-56B72F147294}" srcOrd="2" destOrd="0" presId="urn:microsoft.com/office/officeart/2018/2/layout/IconCircleList"/>
-    <dgm:cxn modelId="{9F403C32-FC97-447E-AFEB-6251A74A74AD}" type="presParOf" srcId="{EE6DA0CA-111D-49E4-B7F6-28F0A1A933CF}" destId="{61D8B6AF-3DB8-4F90-84D0-967F2653572E}" srcOrd="3" destOrd="0" presId="urn:microsoft.com/office/officeart/2018/2/layout/IconCircleList"/>
   </dgm:cxnLst>
   <dgm:bg/>
   <dgm:whole/>
@@ -5206,8 +4745,8 @@
       </dsp:nvSpPr>
       <dsp:spPr>
         <a:xfrm>
-          <a:off x="320565" y="45678"/>
-          <a:ext cx="870114" cy="870114"/>
+          <a:off x="743525" y="1251033"/>
+          <a:ext cx="1591415" cy="1591415"/>
         </a:xfrm>
         <a:prstGeom prst="ellipse">
           <a:avLst/>
@@ -5246,8 +4785,8 @@
       </dsp:nvSpPr>
       <dsp:spPr>
         <a:xfrm>
-          <a:off x="503289" y="228402"/>
-          <a:ext cx="504666" cy="504666"/>
+          <a:off x="1077722" y="1585230"/>
+          <a:ext cx="923020" cy="923020"/>
         </a:xfrm>
         <a:prstGeom prst="rect">
           <a:avLst/>
@@ -5295,8 +4834,8 @@
       </dsp:nvSpPr>
       <dsp:spPr>
         <a:xfrm>
-          <a:off x="1377132" y="45678"/>
-          <a:ext cx="2050982" cy="870114"/>
+          <a:off x="2518745" y="1258210"/>
+          <a:ext cx="5005441" cy="1612899"/>
         </a:xfrm>
         <a:prstGeom prst="rect">
           <a:avLst/>
@@ -5325,7 +4864,7 @@
         </a:bodyPr>
         <a:lstStyle/>
         <a:p>
-          <a:pPr marL="0" lvl="0" indent="0" algn="l" defTabSz="533400">
+          <a:pPr marL="0" lvl="0" indent="0" algn="l" defTabSz="1066800">
             <a:lnSpc>
               <a:spcPct val="100000"/>
             </a:lnSpc>
@@ -5338,143 +4877,12 @@
             <a:buNone/>
           </a:pPr>
           <a:r>
-            <a:rPr lang="en-US" sz="1200" kern="1200" dirty="0"/>
-            <a:t>1) Show ER diagram in MySQL Workbench</a:t>
+            <a:rPr lang="en-US" sz="2400" kern="1200" dirty="0"/>
+            <a:t> Application Web and API Demo </a:t>
           </a:r>
         </a:p>
-      </dsp:txBody>
-      <dsp:txXfrm>
-        <a:off x="1377132" y="45678"/>
-        <a:ext cx="2050982" cy="870114"/>
-      </dsp:txXfrm>
-    </dsp:sp>
-    <dsp:sp modelId="{8E6AE0B4-42FC-4117-B64B-351BBD27A8EE}">
-      <dsp:nvSpPr>
-        <dsp:cNvPr id="0" name=""/>
-        <dsp:cNvSpPr/>
-      </dsp:nvSpPr>
-      <dsp:spPr>
-        <a:xfrm>
-          <a:off x="3785484" y="45678"/>
-          <a:ext cx="870114" cy="870114"/>
-        </a:xfrm>
-        <a:prstGeom prst="ellipse">
-          <a:avLst/>
-        </a:prstGeom>
-        <a:solidFill>
-          <a:schemeClr val="bg1">
-            <a:lumMod val="95000"/>
-            <a:hueOff val="0"/>
-            <a:satOff val="0"/>
-            <a:lumOff val="0"/>
-            <a:alphaOff val="0"/>
-          </a:schemeClr>
-        </a:solidFill>
-        <a:ln>
-          <a:noFill/>
-        </a:ln>
-        <a:effectLst/>
-      </dsp:spPr>
-      <dsp:style>
-        <a:lnRef idx="0">
-          <a:scrgbClr r="0" g="0" b="0"/>
-        </a:lnRef>
-        <a:fillRef idx="1">
-          <a:scrgbClr r="0" g="0" b="0"/>
-        </a:fillRef>
-        <a:effectRef idx="0">
-          <a:scrgbClr r="0" g="0" b="0"/>
-        </a:effectRef>
-        <a:fontRef idx="minor"/>
-      </dsp:style>
-    </dsp:sp>
-    <dsp:sp modelId="{0D7FC0F5-5C4B-48DF-90DA-F0C3589A5519}">
-      <dsp:nvSpPr>
-        <dsp:cNvPr id="0" name=""/>
-        <dsp:cNvSpPr/>
-      </dsp:nvSpPr>
-      <dsp:spPr>
-        <a:xfrm>
-          <a:off x="3968208" y="228402"/>
-          <a:ext cx="504666" cy="504666"/>
-        </a:xfrm>
-        <a:prstGeom prst="rect">
-          <a:avLst/>
-        </a:prstGeom>
-        <a:blipFill>
-          <a:blip xmlns:r="http://schemas.openxmlformats.org/officeDocument/2006/relationships" r:embed="rId3">
-            <a:extLst>
-              <a:ext uri="{28A0092B-C50C-407E-A947-70E740481C1C}">
-                <a14:useLocalDpi xmlns:a14="http://schemas.microsoft.com/office/drawing/2010/main" val="0"/>
-              </a:ext>
-              <a:ext uri="{96DAC541-7B7A-43D3-8B79-37D633B846F1}">
-                <asvg:svgBlip xmlns:asvg="http://schemas.microsoft.com/office/drawing/2016/SVG/main" r:embed="rId4"/>
-              </a:ext>
-            </a:extLst>
-          </a:blip>
-          <a:stretch>
-            <a:fillRect/>
-          </a:stretch>
-        </a:blipFill>
-        <a:ln w="19050" cap="rnd" cmpd="sng" algn="ctr">
-          <a:noFill/>
-          <a:prstDash val="solid"/>
-        </a:ln>
-        <a:effectLst/>
-      </dsp:spPr>
-      <dsp:style>
-        <a:lnRef idx="2">
-          <a:scrgbClr r="0" g="0" b="0"/>
-        </a:lnRef>
-        <a:fillRef idx="1">
-          <a:scrgbClr r="0" g="0" b="0"/>
-        </a:fillRef>
-        <a:effectRef idx="0">
-          <a:scrgbClr r="0" g="0" b="0"/>
-        </a:effectRef>
-        <a:fontRef idx="minor">
-          <a:schemeClr val="lt1"/>
-        </a:fontRef>
-      </dsp:style>
-    </dsp:sp>
-    <dsp:sp modelId="{C4427482-56F0-47B2-A272-8211F0FFCA50}">
-      <dsp:nvSpPr>
-        <dsp:cNvPr id="0" name=""/>
-        <dsp:cNvSpPr/>
-      </dsp:nvSpPr>
-      <dsp:spPr>
-        <a:xfrm>
-          <a:off x="4842051" y="45678"/>
-          <a:ext cx="2050982" cy="870114"/>
-        </a:xfrm>
-        <a:prstGeom prst="rect">
-          <a:avLst/>
-        </a:prstGeom>
-        <a:noFill/>
-        <a:ln>
-          <a:noFill/>
-        </a:ln>
-        <a:effectLst/>
-      </dsp:spPr>
-      <dsp:style>
-        <a:lnRef idx="0">
-          <a:scrgbClr r="0" g="0" b="0"/>
-        </a:lnRef>
-        <a:fillRef idx="0">
-          <a:scrgbClr r="0" g="0" b="0"/>
-        </a:fillRef>
-        <a:effectRef idx="0">
-          <a:scrgbClr r="0" g="0" b="0"/>
-        </a:effectRef>
-        <a:fontRef idx="minor"/>
-      </dsp:style>
-      <dsp:txBody>
-        <a:bodyPr spcFirstLastPara="0" vert="horz" wrap="square" lIns="0" tIns="0" rIns="0" bIns="0" numCol="1" spcCol="1270" anchor="ctr" anchorCtr="0">
-          <a:noAutofit/>
-        </a:bodyPr>
-        <a:lstStyle/>
         <a:p>
-          <a:pPr marL="0" lvl="0" indent="0" algn="l" defTabSz="533400">
+          <a:pPr marL="0" lvl="0" indent="0" algn="l" defTabSz="1066800">
             <a:lnSpc>
               <a:spcPct val="100000"/>
             </a:lnSpc>
@@ -5487,501 +4895,14 @@
             <a:buNone/>
           </a:pPr>
           <a:r>
-            <a:rPr lang="en-US" sz="1200" kern="1200" dirty="0"/>
-            <a:t>2) Run the stored procedure to create a new patient; show the patient row.</a:t>
+            <a:rPr lang="en-US" sz="2400" kern="1200" dirty="0"/>
+            <a:t>MySQL Workbench Walkthrough</a:t>
           </a:r>
         </a:p>
       </dsp:txBody>
       <dsp:txXfrm>
-        <a:off x="4842051" y="45678"/>
-        <a:ext cx="2050982" cy="870114"/>
-      </dsp:txXfrm>
-    </dsp:sp>
-    <dsp:sp modelId="{FF5AC801-33D8-4A1E-B576-158AB2C6F90F}">
-      <dsp:nvSpPr>
-        <dsp:cNvPr id="0" name=""/>
-        <dsp:cNvSpPr/>
-      </dsp:nvSpPr>
-      <dsp:spPr>
-        <a:xfrm>
-          <a:off x="320565" y="1611684"/>
-          <a:ext cx="870114" cy="870114"/>
-        </a:xfrm>
-        <a:prstGeom prst="ellipse">
-          <a:avLst/>
-        </a:prstGeom>
-        <a:solidFill>
-          <a:schemeClr val="bg1">
-            <a:lumMod val="95000"/>
-            <a:hueOff val="0"/>
-            <a:satOff val="0"/>
-            <a:lumOff val="0"/>
-            <a:alphaOff val="0"/>
-          </a:schemeClr>
-        </a:solidFill>
-        <a:ln>
-          <a:noFill/>
-        </a:ln>
-        <a:effectLst/>
-      </dsp:spPr>
-      <dsp:style>
-        <a:lnRef idx="0">
-          <a:scrgbClr r="0" g="0" b="0"/>
-        </a:lnRef>
-        <a:fillRef idx="1">
-          <a:scrgbClr r="0" g="0" b="0"/>
-        </a:fillRef>
-        <a:effectRef idx="0">
-          <a:scrgbClr r="0" g="0" b="0"/>
-        </a:effectRef>
-        <a:fontRef idx="minor"/>
-      </dsp:style>
-    </dsp:sp>
-    <dsp:sp modelId="{E31251D7-0393-438B-8141-41A9E2C2DBCC}">
-      <dsp:nvSpPr>
-        <dsp:cNvPr id="0" name=""/>
-        <dsp:cNvSpPr/>
-      </dsp:nvSpPr>
-      <dsp:spPr>
-        <a:xfrm>
-          <a:off x="503289" y="1794407"/>
-          <a:ext cx="504666" cy="504666"/>
-        </a:xfrm>
-        <a:prstGeom prst="rect">
-          <a:avLst/>
-        </a:prstGeom>
-        <a:blipFill>
-          <a:blip xmlns:r="http://schemas.openxmlformats.org/officeDocument/2006/relationships" r:embed="rId5">
-            <a:extLst>
-              <a:ext uri="{28A0092B-C50C-407E-A947-70E740481C1C}">
-                <a14:useLocalDpi xmlns:a14="http://schemas.microsoft.com/office/drawing/2010/main" val="0"/>
-              </a:ext>
-              <a:ext uri="{96DAC541-7B7A-43D3-8B79-37D633B846F1}">
-                <asvg:svgBlip xmlns:asvg="http://schemas.microsoft.com/office/drawing/2016/SVG/main" r:embed="rId6"/>
-              </a:ext>
-            </a:extLst>
-          </a:blip>
-          <a:stretch>
-            <a:fillRect/>
-          </a:stretch>
-        </a:blipFill>
-        <a:ln w="19050" cap="rnd" cmpd="sng" algn="ctr">
-          <a:noFill/>
-          <a:prstDash val="solid"/>
-        </a:ln>
-        <a:effectLst/>
-      </dsp:spPr>
-      <dsp:style>
-        <a:lnRef idx="2">
-          <a:scrgbClr r="0" g="0" b="0"/>
-        </a:lnRef>
-        <a:fillRef idx="1">
-          <a:scrgbClr r="0" g="0" b="0"/>
-        </a:fillRef>
-        <a:effectRef idx="0">
-          <a:scrgbClr r="0" g="0" b="0"/>
-        </a:effectRef>
-        <a:fontRef idx="minor">
-          <a:schemeClr val="lt1"/>
-        </a:fontRef>
-      </dsp:style>
-    </dsp:sp>
-    <dsp:sp modelId="{EF7513DC-87A4-404F-BD2F-817361859A34}">
-      <dsp:nvSpPr>
-        <dsp:cNvPr id="0" name=""/>
-        <dsp:cNvSpPr/>
-      </dsp:nvSpPr>
-      <dsp:spPr>
-        <a:xfrm>
-          <a:off x="1377132" y="1611684"/>
-          <a:ext cx="2050982" cy="870114"/>
-        </a:xfrm>
-        <a:prstGeom prst="rect">
-          <a:avLst/>
-        </a:prstGeom>
-        <a:noFill/>
-        <a:ln>
-          <a:noFill/>
-        </a:ln>
-        <a:effectLst/>
-      </dsp:spPr>
-      <dsp:style>
-        <a:lnRef idx="0">
-          <a:scrgbClr r="0" g="0" b="0"/>
-        </a:lnRef>
-        <a:fillRef idx="0">
-          <a:scrgbClr r="0" g="0" b="0"/>
-        </a:fillRef>
-        <a:effectRef idx="0">
-          <a:scrgbClr r="0" g="0" b="0"/>
-        </a:effectRef>
-        <a:fontRef idx="minor"/>
-      </dsp:style>
-      <dsp:txBody>
-        <a:bodyPr spcFirstLastPara="0" vert="horz" wrap="square" lIns="0" tIns="0" rIns="0" bIns="0" numCol="1" spcCol="1270" anchor="ctr" anchorCtr="0">
-          <a:noAutofit/>
-        </a:bodyPr>
-        <a:lstStyle/>
-        <a:p>
-          <a:pPr marL="0" lvl="0" indent="0" algn="l" defTabSz="533400">
-            <a:lnSpc>
-              <a:spcPct val="100000"/>
-            </a:lnSpc>
-            <a:spcBef>
-              <a:spcPct val="0"/>
-            </a:spcBef>
-            <a:spcAft>
-              <a:spcPct val="35000"/>
-            </a:spcAft>
-            <a:buNone/>
-          </a:pPr>
-          <a:r>
-            <a:rPr lang="en-US" sz="1200" kern="1200" dirty="0"/>
-            <a:t>3) Create visit + prescription via procedures; show </a:t>
-          </a:r>
-          <a:r>
-            <a:rPr lang="en-US" sz="1200" kern="1200" dirty="0" err="1"/>
-            <a:t>v_pharmacy_prescriptions</a:t>
-          </a:r>
-          <a:r>
-            <a:rPr lang="en-US" sz="1200" kern="1200" dirty="0"/>
-            <a:t> queue.</a:t>
-          </a:r>
-        </a:p>
-      </dsp:txBody>
-      <dsp:txXfrm>
-        <a:off x="1377132" y="1611684"/>
-        <a:ext cx="2050982" cy="870114"/>
-      </dsp:txXfrm>
-    </dsp:sp>
-    <dsp:sp modelId="{4E0C1F0F-E4DA-452B-96F2-A3DA8ED25CB0}">
-      <dsp:nvSpPr>
-        <dsp:cNvPr id="0" name=""/>
-        <dsp:cNvSpPr/>
-      </dsp:nvSpPr>
-      <dsp:spPr>
-        <a:xfrm>
-          <a:off x="3785484" y="1611684"/>
-          <a:ext cx="870114" cy="870114"/>
-        </a:xfrm>
-        <a:prstGeom prst="ellipse">
-          <a:avLst/>
-        </a:prstGeom>
-        <a:solidFill>
-          <a:schemeClr val="bg1">
-            <a:lumMod val="95000"/>
-            <a:hueOff val="0"/>
-            <a:satOff val="0"/>
-            <a:lumOff val="0"/>
-            <a:alphaOff val="0"/>
-          </a:schemeClr>
-        </a:solidFill>
-        <a:ln>
-          <a:noFill/>
-        </a:ln>
-        <a:effectLst/>
-      </dsp:spPr>
-      <dsp:style>
-        <a:lnRef idx="0">
-          <a:scrgbClr r="0" g="0" b="0"/>
-        </a:lnRef>
-        <a:fillRef idx="1">
-          <a:scrgbClr r="0" g="0" b="0"/>
-        </a:fillRef>
-        <a:effectRef idx="0">
-          <a:scrgbClr r="0" g="0" b="0"/>
-        </a:effectRef>
-        <a:fontRef idx="minor"/>
-      </dsp:style>
-    </dsp:sp>
-    <dsp:sp modelId="{55DB99BB-50D2-4DEB-9D37-6822BF536E1E}">
-      <dsp:nvSpPr>
-        <dsp:cNvPr id="0" name=""/>
-        <dsp:cNvSpPr/>
-      </dsp:nvSpPr>
-      <dsp:spPr>
-        <a:xfrm>
-          <a:off x="3968208" y="1794407"/>
-          <a:ext cx="504666" cy="504666"/>
-        </a:xfrm>
-        <a:prstGeom prst="rect">
-          <a:avLst/>
-        </a:prstGeom>
-        <a:blipFill>
-          <a:blip xmlns:r="http://schemas.openxmlformats.org/officeDocument/2006/relationships" r:embed="rId7">
-            <a:extLst>
-              <a:ext uri="{28A0092B-C50C-407E-A947-70E740481C1C}">
-                <a14:useLocalDpi xmlns:a14="http://schemas.microsoft.com/office/drawing/2010/main" val="0"/>
-              </a:ext>
-              <a:ext uri="{96DAC541-7B7A-43D3-8B79-37D633B846F1}">
-                <asvg:svgBlip xmlns:asvg="http://schemas.microsoft.com/office/drawing/2016/SVG/main" r:embed="rId8"/>
-              </a:ext>
-            </a:extLst>
-          </a:blip>
-          <a:stretch>
-            <a:fillRect/>
-          </a:stretch>
-        </a:blipFill>
-        <a:ln w="19050" cap="rnd" cmpd="sng" algn="ctr">
-          <a:noFill/>
-          <a:prstDash val="solid"/>
-        </a:ln>
-        <a:effectLst/>
-      </dsp:spPr>
-      <dsp:style>
-        <a:lnRef idx="2">
-          <a:scrgbClr r="0" g="0" b="0"/>
-        </a:lnRef>
-        <a:fillRef idx="1">
-          <a:scrgbClr r="0" g="0" b="0"/>
-        </a:fillRef>
-        <a:effectRef idx="0">
-          <a:scrgbClr r="0" g="0" b="0"/>
-        </a:effectRef>
-        <a:fontRef idx="minor">
-          <a:schemeClr val="lt1"/>
-        </a:fontRef>
-      </dsp:style>
-    </dsp:sp>
-    <dsp:sp modelId="{C62C9016-C5FE-45E8-9BF0-C9202DE43CA9}">
-      <dsp:nvSpPr>
-        <dsp:cNvPr id="0" name=""/>
-        <dsp:cNvSpPr/>
-      </dsp:nvSpPr>
-      <dsp:spPr>
-        <a:xfrm>
-          <a:off x="4842051" y="1611684"/>
-          <a:ext cx="2050982" cy="870114"/>
-        </a:xfrm>
-        <a:prstGeom prst="rect">
-          <a:avLst/>
-        </a:prstGeom>
-        <a:noFill/>
-        <a:ln>
-          <a:noFill/>
-        </a:ln>
-        <a:effectLst/>
-      </dsp:spPr>
-      <dsp:style>
-        <a:lnRef idx="0">
-          <a:scrgbClr r="0" g="0" b="0"/>
-        </a:lnRef>
-        <a:fillRef idx="0">
-          <a:scrgbClr r="0" g="0" b="0"/>
-        </a:fillRef>
-        <a:effectRef idx="0">
-          <a:scrgbClr r="0" g="0" b="0"/>
-        </a:effectRef>
-        <a:fontRef idx="minor"/>
-      </dsp:style>
-      <dsp:txBody>
-        <a:bodyPr spcFirstLastPara="0" vert="horz" wrap="square" lIns="0" tIns="0" rIns="0" bIns="0" numCol="1" spcCol="1270" anchor="ctr" anchorCtr="0">
-          <a:noAutofit/>
-        </a:bodyPr>
-        <a:lstStyle/>
-        <a:p>
-          <a:pPr marL="0" lvl="0" indent="0" algn="l" defTabSz="533400">
-            <a:lnSpc>
-              <a:spcPct val="100000"/>
-            </a:lnSpc>
-            <a:spcBef>
-              <a:spcPct val="0"/>
-            </a:spcBef>
-            <a:spcAft>
-              <a:spcPct val="35000"/>
-            </a:spcAft>
-            <a:buNone/>
-          </a:pPr>
-          <a:r>
-            <a:rPr lang="en-US" sz="1200" kern="1200" dirty="0"/>
-            <a:t>4) Dispense prescription using </a:t>
-          </a:r>
-          <a:r>
-            <a:rPr lang="en-US" sz="1200" kern="1200" dirty="0" err="1"/>
-            <a:t>sp_dispense_prescription</a:t>
-          </a:r>
-          <a:r>
-            <a:rPr lang="en-US" sz="1200" kern="1200" dirty="0"/>
-            <a:t>; show updated prescription and </a:t>
-          </a:r>
-          <a:r>
-            <a:rPr lang="en-US" sz="1200" kern="1200" dirty="0" err="1"/>
-            <a:t>pharmacy_dispense</a:t>
-          </a:r>
-          <a:r>
-            <a:rPr lang="en-US" sz="1200" kern="1200" dirty="0"/>
-            <a:t>.</a:t>
-          </a:r>
-        </a:p>
-      </dsp:txBody>
-      <dsp:txXfrm>
-        <a:off x="4842051" y="1611684"/>
-        <a:ext cx="2050982" cy="870114"/>
-      </dsp:txXfrm>
-    </dsp:sp>
-    <dsp:sp modelId="{BA6656DE-70F9-40E2-A098-54D7BD8B1074}">
-      <dsp:nvSpPr>
-        <dsp:cNvPr id="0" name=""/>
-        <dsp:cNvSpPr/>
-      </dsp:nvSpPr>
-      <dsp:spPr>
-        <a:xfrm>
-          <a:off x="320565" y="3177689"/>
-          <a:ext cx="870114" cy="870114"/>
-        </a:xfrm>
-        <a:prstGeom prst="ellipse">
-          <a:avLst/>
-        </a:prstGeom>
-        <a:solidFill>
-          <a:schemeClr val="bg1">
-            <a:lumMod val="95000"/>
-            <a:hueOff val="0"/>
-            <a:satOff val="0"/>
-            <a:lumOff val="0"/>
-            <a:alphaOff val="0"/>
-          </a:schemeClr>
-        </a:solidFill>
-        <a:ln>
-          <a:noFill/>
-        </a:ln>
-        <a:effectLst/>
-      </dsp:spPr>
-      <dsp:style>
-        <a:lnRef idx="0">
-          <a:scrgbClr r="0" g="0" b="0"/>
-        </a:lnRef>
-        <a:fillRef idx="1">
-          <a:scrgbClr r="0" g="0" b="0"/>
-        </a:fillRef>
-        <a:effectRef idx="0">
-          <a:scrgbClr r="0" g="0" b="0"/>
-        </a:effectRef>
-        <a:fontRef idx="minor"/>
-      </dsp:style>
-    </dsp:sp>
-    <dsp:sp modelId="{53BA76E6-5BF3-4C2E-B020-703E66872EE9}">
-      <dsp:nvSpPr>
-        <dsp:cNvPr id="0" name=""/>
-        <dsp:cNvSpPr/>
-      </dsp:nvSpPr>
-      <dsp:spPr>
-        <a:xfrm>
-          <a:off x="503289" y="3360413"/>
-          <a:ext cx="504666" cy="504666"/>
-        </a:xfrm>
-        <a:prstGeom prst="rect">
-          <a:avLst/>
-        </a:prstGeom>
-        <a:blipFill>
-          <a:blip xmlns:r="http://schemas.openxmlformats.org/officeDocument/2006/relationships" r:embed="rId9">
-            <a:extLst>
-              <a:ext uri="{28A0092B-C50C-407E-A947-70E740481C1C}">
-                <a14:useLocalDpi xmlns:a14="http://schemas.microsoft.com/office/drawing/2010/main" val="0"/>
-              </a:ext>
-              <a:ext uri="{96DAC541-7B7A-43D3-8B79-37D633B846F1}">
-                <asvg:svgBlip xmlns:asvg="http://schemas.microsoft.com/office/drawing/2016/SVG/main" r:embed="rId10"/>
-              </a:ext>
-            </a:extLst>
-          </a:blip>
-          <a:stretch>
-            <a:fillRect/>
-          </a:stretch>
-        </a:blipFill>
-        <a:ln w="19050" cap="rnd" cmpd="sng" algn="ctr">
-          <a:noFill/>
-          <a:prstDash val="solid"/>
-        </a:ln>
-        <a:effectLst/>
-      </dsp:spPr>
-      <dsp:style>
-        <a:lnRef idx="2">
-          <a:scrgbClr r="0" g="0" b="0"/>
-        </a:lnRef>
-        <a:fillRef idx="1">
-          <a:scrgbClr r="0" g="0" b="0"/>
-        </a:fillRef>
-        <a:effectRef idx="0">
-          <a:scrgbClr r="0" g="0" b="0"/>
-        </a:effectRef>
-        <a:fontRef idx="minor">
-          <a:schemeClr val="lt1"/>
-        </a:fontRef>
-      </dsp:style>
-    </dsp:sp>
-    <dsp:sp modelId="{61D8B6AF-3DB8-4F90-84D0-967F2653572E}">
-      <dsp:nvSpPr>
-        <dsp:cNvPr id="0" name=""/>
-        <dsp:cNvSpPr/>
-      </dsp:nvSpPr>
-      <dsp:spPr>
-        <a:xfrm>
-          <a:off x="1377132" y="3177689"/>
-          <a:ext cx="2050982" cy="870114"/>
-        </a:xfrm>
-        <a:prstGeom prst="rect">
-          <a:avLst/>
-        </a:prstGeom>
-        <a:noFill/>
-        <a:ln>
-          <a:noFill/>
-        </a:ln>
-        <a:effectLst/>
-      </dsp:spPr>
-      <dsp:style>
-        <a:lnRef idx="0">
-          <a:scrgbClr r="0" g="0" b="0"/>
-        </a:lnRef>
-        <a:fillRef idx="0">
-          <a:scrgbClr r="0" g="0" b="0"/>
-        </a:fillRef>
-        <a:effectRef idx="0">
-          <a:scrgbClr r="0" g="0" b="0"/>
-        </a:effectRef>
-        <a:fontRef idx="minor"/>
-      </dsp:style>
-      <dsp:txBody>
-        <a:bodyPr spcFirstLastPara="0" vert="horz" wrap="square" lIns="0" tIns="0" rIns="0" bIns="0" numCol="1" spcCol="1270" anchor="ctr" anchorCtr="0">
-          <a:noAutofit/>
-        </a:bodyPr>
-        <a:lstStyle/>
-        <a:p>
-          <a:pPr marL="0" lvl="0" indent="0" algn="l" defTabSz="533400">
-            <a:lnSpc>
-              <a:spcPct val="100000"/>
-            </a:lnSpc>
-            <a:spcBef>
-              <a:spcPct val="0"/>
-            </a:spcBef>
-            <a:spcAft>
-              <a:spcPct val="35000"/>
-            </a:spcAft>
-            <a:buNone/>
-          </a:pPr>
-          <a:r>
-            <a:rPr lang="en-US" sz="1200" kern="1200" dirty="0"/>
-            <a:t>5) Show </a:t>
-          </a:r>
-          <a:r>
-            <a:rPr lang="en-US" sz="1200" kern="1200" dirty="0" err="1"/>
-            <a:t>v_my_visits</a:t>
-          </a:r>
-          <a:r>
-            <a:rPr lang="en-US" sz="1200" kern="1200" dirty="0"/>
-            <a:t> / </a:t>
-          </a:r>
-          <a:r>
-            <a:rPr lang="en-US" sz="1200" kern="1200" dirty="0" err="1"/>
-            <a:t>v_my_prescriptions</a:t>
-          </a:r>
-          <a:r>
-            <a:rPr lang="en-US" sz="1200" kern="1200" dirty="0"/>
-            <a:t> for that patient, then recent rows in audit_log.</a:t>
-          </a:r>
-        </a:p>
-      </dsp:txBody>
-      <dsp:txXfrm>
-        <a:off x="1377132" y="3177689"/>
-        <a:ext cx="2050982" cy="870114"/>
+        <a:off x="2518745" y="1258210"/>
+        <a:ext cx="5005441" cy="1612899"/>
       </dsp:txXfrm>
     </dsp:sp>
   </dsp:spTree>
@@ -10636,7 +9557,7 @@
           <a:p>
             <a:fld id="{5BCAD085-E8A6-8845-BD4E-CB4CCA059FC4}" type="datetimeFigureOut">
               <a:rPr lang="en-US" smtClean="0"/>
-              <a:t>12/3/2025</a:t>
+              <a:t>12/4/2025</a:t>
             </a:fld>
             <a:endParaRPr lang="en-US"/>
           </a:p>
@@ -10887,7 +9808,7 @@
           <a:p>
             <a:fld id="{5BCAD085-E8A6-8845-BD4E-CB4CCA059FC4}" type="datetimeFigureOut">
               <a:rPr lang="en-US" smtClean="0"/>
-              <a:t>12/3/2025</a:t>
+              <a:t>12/4/2025</a:t>
             </a:fld>
             <a:endParaRPr lang="en-US"/>
           </a:p>
@@ -11201,7 +10122,7 @@
           <a:p>
             <a:fld id="{5BCAD085-E8A6-8845-BD4E-CB4CCA059FC4}" type="datetimeFigureOut">
               <a:rPr lang="en-US" smtClean="0"/>
-              <a:t>12/3/2025</a:t>
+              <a:t>12/4/2025</a:t>
             </a:fld>
             <a:endParaRPr lang="en-US"/>
           </a:p>
@@ -11534,7 +10455,7 @@
           <a:p>
             <a:fld id="{5BCAD085-E8A6-8845-BD4E-CB4CCA059FC4}" type="datetimeFigureOut">
               <a:rPr lang="en-US" smtClean="0"/>
-              <a:t>12/3/2025</a:t>
+              <a:t>12/4/2025</a:t>
             </a:fld>
             <a:endParaRPr lang="en-US"/>
           </a:p>
@@ -11848,7 +10769,7 @@
           <a:p>
             <a:fld id="{5BCAD085-E8A6-8845-BD4E-CB4CCA059FC4}" type="datetimeFigureOut">
               <a:rPr lang="en-US" smtClean="0"/>
-              <a:t>12/3/2025</a:t>
+              <a:t>12/4/2025</a:t>
             </a:fld>
             <a:endParaRPr lang="en-US"/>
           </a:p>
@@ -12241,7 +11162,7 @@
           <a:p>
             <a:fld id="{5BCAD085-E8A6-8845-BD4E-CB4CCA059FC4}" type="datetimeFigureOut">
               <a:rPr lang="en-US" smtClean="0"/>
-              <a:t>12/3/2025</a:t>
+              <a:t>12/4/2025</a:t>
             </a:fld>
             <a:endParaRPr lang="en-US"/>
           </a:p>
@@ -12411,7 +11332,7 @@
           <a:p>
             <a:fld id="{5BCAD085-E8A6-8845-BD4E-CB4CCA059FC4}" type="datetimeFigureOut">
               <a:rPr lang="en-US" smtClean="0"/>
-              <a:t>12/3/2025</a:t>
+              <a:t>12/4/2025</a:t>
             </a:fld>
             <a:endParaRPr lang="en-US"/>
           </a:p>
@@ -12591,7 +11512,7 @@
           <a:p>
             <a:fld id="{5BCAD085-E8A6-8845-BD4E-CB4CCA059FC4}" type="datetimeFigureOut">
               <a:rPr lang="en-US" smtClean="0"/>
-              <a:t>12/3/2025</a:t>
+              <a:t>12/4/2025</a:t>
             </a:fld>
             <a:endParaRPr lang="en-US"/>
           </a:p>
@@ -12761,7 +11682,7 @@
           <a:p>
             <a:fld id="{5BCAD085-E8A6-8845-BD4E-CB4CCA059FC4}" type="datetimeFigureOut">
               <a:rPr lang="en-US" smtClean="0"/>
-              <a:t>12/3/2025</a:t>
+              <a:t>12/4/2025</a:t>
             </a:fld>
             <a:endParaRPr lang="en-US"/>
           </a:p>
@@ -13008,7 +11929,7 @@
           <a:p>
             <a:fld id="{5BCAD085-E8A6-8845-BD4E-CB4CCA059FC4}" type="datetimeFigureOut">
               <a:rPr lang="en-US" smtClean="0"/>
-              <a:t>12/3/2025</a:t>
+              <a:t>12/4/2025</a:t>
             </a:fld>
             <a:endParaRPr lang="en-US"/>
           </a:p>
@@ -13305,7 +12226,7 @@
           <a:p>
             <a:fld id="{5BCAD085-E8A6-8845-BD4E-CB4CCA059FC4}" type="datetimeFigureOut">
               <a:rPr lang="en-US" smtClean="0"/>
-              <a:t>12/3/2025</a:t>
+              <a:t>12/4/2025</a:t>
             </a:fld>
             <a:endParaRPr lang="en-US"/>
           </a:p>
@@ -13684,7 +12605,7 @@
           <a:p>
             <a:fld id="{5BCAD085-E8A6-8845-BD4E-CB4CCA059FC4}" type="datetimeFigureOut">
               <a:rPr lang="en-US" smtClean="0"/>
-              <a:t>12/3/2025</a:t>
+              <a:t>12/4/2025</a:t>
             </a:fld>
             <a:endParaRPr lang="en-US"/>
           </a:p>
@@ -13807,7 +12728,7 @@
           <a:p>
             <a:fld id="{5BCAD085-E8A6-8845-BD4E-CB4CCA059FC4}" type="datetimeFigureOut">
               <a:rPr lang="en-US" smtClean="0"/>
-              <a:t>12/3/2025</a:t>
+              <a:t>12/4/2025</a:t>
             </a:fld>
             <a:endParaRPr lang="en-US"/>
           </a:p>
@@ -13902,7 +12823,7 @@
           <a:p>
             <a:fld id="{5BCAD085-E8A6-8845-BD4E-CB4CCA059FC4}" type="datetimeFigureOut">
               <a:rPr lang="en-US" smtClean="0"/>
-              <a:t>12/3/2025</a:t>
+              <a:t>12/4/2025</a:t>
             </a:fld>
             <a:endParaRPr lang="en-US"/>
           </a:p>
@@ -14157,7 +13078,7 @@
           <a:p>
             <a:fld id="{5BCAD085-E8A6-8845-BD4E-CB4CCA059FC4}" type="datetimeFigureOut">
               <a:rPr lang="en-US" smtClean="0"/>
-              <a:t>12/3/2025</a:t>
+              <a:t>12/4/2025</a:t>
             </a:fld>
             <a:endParaRPr lang="en-US"/>
           </a:p>
@@ -14420,7 +13341,7 @@
           <a:p>
             <a:fld id="{5BCAD085-E8A6-8845-BD4E-CB4CCA059FC4}" type="datetimeFigureOut">
               <a:rPr lang="en-US" smtClean="0"/>
-              <a:t>12/3/2025</a:t>
+              <a:t>12/4/2025</a:t>
             </a:fld>
             <a:endParaRPr lang="en-US"/>
           </a:p>
@@ -15290,7 +14211,7 @@
           <a:p>
             <a:fld id="{5BCAD085-E8A6-8845-BD4E-CB4CCA059FC4}" type="datetimeFigureOut">
               <a:rPr lang="en-US" smtClean="0"/>
-              <a:t>12/3/2025</a:t>
+              <a:t>12/4/2025</a:t>
             </a:fld>
             <a:endParaRPr lang="en-US"/>
           </a:p>
@@ -18493,14 +17414,14 @@
             <p:ph idx="1"/>
             <p:extLst>
               <p:ext uri="{D42A27DB-BD31-4B8C-83A1-F6EECF244321}">
-                <p14:modId xmlns:p14="http://schemas.microsoft.com/office/powerpoint/2010/main" val="3927335001"/>
+                <p14:modId xmlns:p14="http://schemas.microsoft.com/office/powerpoint/2010/main" val="1293476349"/>
               </p:ext>
             </p:extLst>
           </p:nvPr>
         </p:nvGraphicFramePr>
         <p:xfrm>
-          <a:off x="965199" y="1948543"/>
-          <a:ext cx="7213600" cy="4093482"/>
+          <a:off x="965198" y="1948543"/>
+          <a:ext cx="7797801" cy="4093482"/>
         </p:xfrm>
         <a:graphic>
           <a:graphicData uri="http://schemas.openxmlformats.org/drawingml/2006/diagram">
